--- a/Cyber_Security_LaCTiS.pptx
+++ b/Cyber_Security_LaCTiS.pptx
@@ -6027,7 +6027,7 @@
           <a:p>
             <a:pPr/>
             <a:r>
-              <a:t>Mensch ist in 57% der Fällen die Schwachstelle</a:t>
+              <a:t>Mensch ist in 55% der Fällen die Schwachstelle</a:t>
             </a:r>
           </a:p>
           <a:p>
